--- a/solutions/hashicorp/cloud/multi-cloud-platform/presales/solution-briefing.pptx
+++ b/solutions/hashicorp/cloud/multi-cloud-platform/presales/solution-briefing.pptx
@@ -5684,7 +5684,7 @@
               <a:t>Client:</a:t>
             </a:r>
             <a:r>
-              <a:t> Fortune 500 financial institution managing infrastructure across 12 AWS accounts and 8 Azure subscriptions with 2500+ resources</a:t>
+              <a:t> Fortune 500 financial institution with 2500+ multi-cloud resources</a:t>
             </a:r>
           </a:p>
           <a:p>
@@ -5704,7 +5704,7 @@
               <a:t>Solution:</a:t>
             </a:r>
             <a:r>
-              <a:t> Deployed HashiCorp multi-cloud platform with Terraform Cloud for centralized state management, Vault for secrets, and 50+ Sentinel policies for governance. Implemented GitOps workflows and self-service provisioning.</a:t>
+              <a:t> Deployed HashiCorp multi-cloud platform with Terraform Cloud, Vault, and 50+ Sentinel policies. Implemented GitOps workflows and self-service provisioning.</a:t>
             </a:r>
           </a:p>
           <a:p>

--- a/solutions/hashicorp/cloud/multi-cloud-platform/presales/solution-briefing.pptx
+++ b/solutions/hashicorp/cloud/multi-cloud-platform/presales/solution-briefing.pptx
@@ -757,6 +757,39 @@
       </p:grpSpPr>
       <p:sp>
         <p:nvSpPr>
+          <p:cNvPr id="12" name="Picture Placeholder 13">
+            <a:extLst>
+              <a:ext uri="{FF2B5EF4-FFF2-40B4-BE49-F238E27FC236}">
+                <a16:creationId xmlns:a16="http://schemas.microsoft.com/office/drawing/2014/main" id="{2DB97592-C4D5-B315-7F11-AA14F6EE8A62}"/>
+              </a:ext>
+            </a:extLst>
+          </p:cNvPr>
+          <p:cNvSpPr>
+            <a:spLocks noGrp="1"/>
+          </p:cNvSpPr>
+          <p:nvPr>
+            <p:ph type="pic" sz="quarter" idx="13"/>
+          </p:nvPr>
+        </p:nvSpPr>
+        <p:spPr>
+          <a:xfrm>
+            <a:off x="313593" y="4536078"/>
+            <a:ext cx="2143858" cy="529698"/>
+          </a:xfrm>
+          <a:prstGeom prst="rect">
+            <a:avLst/>
+          </a:prstGeom>
+        </p:spPr>
+        <p:txBody>
+          <a:bodyPr/>
+          <a:lstStyle/>
+          <a:p>
+            <a:endParaRPr lang="en-US" dirty="0"/>
+          </a:p>
+        </p:txBody>
+      </p:sp>
+      <p:sp>
+        <p:nvSpPr>
           <p:cNvPr id="3" name="Shape 1">
             <a:extLst>
               <a:ext uri="{FF2B5EF4-FFF2-40B4-BE49-F238E27FC236}">
@@ -846,39 +879,6 @@
               <a:rPr lang="en-US" dirty="0"/>
               <a:t>Slide Title</a:t>
             </a:r>
-          </a:p>
-        </p:txBody>
-      </p:sp>
-      <p:sp>
-        <p:nvSpPr>
-          <p:cNvPr id="12" name="Picture Placeholder 13">
-            <a:extLst>
-              <a:ext uri="{FF2B5EF4-FFF2-40B4-BE49-F238E27FC236}">
-                <a16:creationId xmlns:a16="http://schemas.microsoft.com/office/drawing/2014/main" id="{2DB97592-C4D5-B315-7F11-AA14F6EE8A62}"/>
-              </a:ext>
-            </a:extLst>
-          </p:cNvPr>
-          <p:cNvSpPr>
-            <a:spLocks noGrp="1"/>
-          </p:cNvSpPr>
-          <p:nvPr>
-            <p:ph type="pic" sz="quarter" idx="13"/>
-          </p:nvPr>
-        </p:nvSpPr>
-        <p:spPr>
-          <a:xfrm>
-            <a:off x="313593" y="4536078"/>
-            <a:ext cx="2143858" cy="529698"/>
-          </a:xfrm>
-          <a:prstGeom prst="rect">
-            <a:avLst/>
-          </a:prstGeom>
-        </p:spPr>
-        <p:txBody>
-          <a:bodyPr/>
-          <a:lstStyle/>
-          <a:p>
-            <a:endParaRPr lang="en-US" dirty="0"/>
           </a:p>
         </p:txBody>
       </p:sp>
@@ -1035,6 +1035,39 @@
       </p:grpSpPr>
       <p:sp>
         <p:nvSpPr>
+          <p:cNvPr id="12" name="Picture Placeholder 13">
+            <a:extLst>
+              <a:ext uri="{FF2B5EF4-FFF2-40B4-BE49-F238E27FC236}">
+                <a16:creationId xmlns:a16="http://schemas.microsoft.com/office/drawing/2014/main" id="{2DB97592-C4D5-B315-7F11-AA14F6EE8A62}"/>
+              </a:ext>
+            </a:extLst>
+          </p:cNvPr>
+          <p:cNvSpPr>
+            <a:spLocks noGrp="1"/>
+          </p:cNvSpPr>
+          <p:nvPr>
+            <p:ph type="pic" sz="quarter" idx="13"/>
+          </p:nvPr>
+        </p:nvSpPr>
+        <p:spPr>
+          <a:xfrm>
+            <a:off x="313593" y="4536078"/>
+            <a:ext cx="2143858" cy="529698"/>
+          </a:xfrm>
+          <a:prstGeom prst="rect">
+            <a:avLst/>
+          </a:prstGeom>
+        </p:spPr>
+        <p:txBody>
+          <a:bodyPr/>
+          <a:lstStyle/>
+          <a:p>
+            <a:endParaRPr lang="en-US" dirty="0"/>
+          </a:p>
+        </p:txBody>
+      </p:sp>
+      <p:sp>
+        <p:nvSpPr>
           <p:cNvPr id="3" name="Shape 1">
             <a:extLst>
               <a:ext uri="{FF2B5EF4-FFF2-40B4-BE49-F238E27FC236}">
@@ -1124,39 +1157,6 @@
               <a:rPr lang="en-US" dirty="0"/>
               <a:t>Bullet Points</a:t>
             </a:r>
-          </a:p>
-        </p:txBody>
-      </p:sp>
-      <p:sp>
-        <p:nvSpPr>
-          <p:cNvPr id="12" name="Picture Placeholder 13">
-            <a:extLst>
-              <a:ext uri="{FF2B5EF4-FFF2-40B4-BE49-F238E27FC236}">
-                <a16:creationId xmlns:a16="http://schemas.microsoft.com/office/drawing/2014/main" id="{2DB97592-C4D5-B315-7F11-AA14F6EE8A62}"/>
-              </a:ext>
-            </a:extLst>
-          </p:cNvPr>
-          <p:cNvSpPr>
-            <a:spLocks noGrp="1"/>
-          </p:cNvSpPr>
-          <p:nvPr>
-            <p:ph type="pic" sz="quarter" idx="13"/>
-          </p:nvPr>
-        </p:nvSpPr>
-        <p:spPr>
-          <a:xfrm>
-            <a:off x="313593" y="4536078"/>
-            <a:ext cx="2143858" cy="529698"/>
-          </a:xfrm>
-          <a:prstGeom prst="rect">
-            <a:avLst/>
-          </a:prstGeom>
-        </p:spPr>
-        <p:txBody>
-          <a:bodyPr/>
-          <a:lstStyle/>
-          <a:p>
-            <a:endParaRPr lang="en-US" dirty="0"/>
           </a:p>
         </p:txBody>
       </p:sp>
@@ -1299,6 +1299,39 @@
       </p:grpSpPr>
       <p:sp>
         <p:nvSpPr>
+          <p:cNvPr id="10" name="Picture Placeholder 13">
+            <a:extLst>
+              <a:ext uri="{FF2B5EF4-FFF2-40B4-BE49-F238E27FC236}">
+                <a16:creationId xmlns:a16="http://schemas.microsoft.com/office/drawing/2014/main" id="{6A0FA445-7602-F06E-EC73-5504EBF827CC}"/>
+              </a:ext>
+            </a:extLst>
+          </p:cNvPr>
+          <p:cNvSpPr>
+            <a:spLocks noGrp="1"/>
+          </p:cNvSpPr>
+          <p:nvPr>
+            <p:ph type="pic" sz="quarter" idx="14"/>
+          </p:nvPr>
+        </p:nvSpPr>
+        <p:spPr>
+          <a:xfrm>
+            <a:off x="313592" y="4536078"/>
+            <a:ext cx="2121877" cy="529698"/>
+          </a:xfrm>
+          <a:prstGeom prst="rect">
+            <a:avLst/>
+          </a:prstGeom>
+        </p:spPr>
+        <p:txBody>
+          <a:bodyPr/>
+          <a:lstStyle/>
+          <a:p>
+            <a:endParaRPr lang="en-US" dirty="0"/>
+          </a:p>
+        </p:txBody>
+      </p:sp>
+      <p:sp>
+        <p:nvSpPr>
           <p:cNvPr id="3" name="Shape 1">
             <a:extLst>
               <a:ext uri="{FF2B5EF4-FFF2-40B4-BE49-F238E27FC236}">
@@ -1388,39 +1421,6 @@
               <a:rPr lang="en-US" dirty="0"/>
               <a:t>Two Column Layout</a:t>
             </a:r>
-          </a:p>
-        </p:txBody>
-      </p:sp>
-      <p:sp>
-        <p:nvSpPr>
-          <p:cNvPr id="10" name="Picture Placeholder 13">
-            <a:extLst>
-              <a:ext uri="{FF2B5EF4-FFF2-40B4-BE49-F238E27FC236}">
-                <a16:creationId xmlns:a16="http://schemas.microsoft.com/office/drawing/2014/main" id="{6A0FA445-7602-F06E-EC73-5504EBF827CC}"/>
-              </a:ext>
-            </a:extLst>
-          </p:cNvPr>
-          <p:cNvSpPr>
-            <a:spLocks noGrp="1"/>
-          </p:cNvSpPr>
-          <p:nvPr>
-            <p:ph type="pic" sz="quarter" idx="14"/>
-          </p:nvPr>
-        </p:nvSpPr>
-        <p:spPr>
-          <a:xfrm>
-            <a:off x="313592" y="4536078"/>
-            <a:ext cx="2121877" cy="529698"/>
-          </a:xfrm>
-          <a:prstGeom prst="rect">
-            <a:avLst/>
-          </a:prstGeom>
-        </p:spPr>
-        <p:txBody>
-          <a:bodyPr/>
-          <a:lstStyle/>
-          <a:p>
-            <a:endParaRPr lang="en-US" dirty="0"/>
           </a:p>
         </p:txBody>
       </p:sp>
@@ -1668,6 +1668,39 @@
       </p:grpSpPr>
       <p:sp>
         <p:nvSpPr>
+          <p:cNvPr id="12" name="Picture Placeholder 13">
+            <a:extLst>
+              <a:ext uri="{FF2B5EF4-FFF2-40B4-BE49-F238E27FC236}">
+                <a16:creationId xmlns:a16="http://schemas.microsoft.com/office/drawing/2014/main" id="{2DB97592-C4D5-B315-7F11-AA14F6EE8A62}"/>
+              </a:ext>
+            </a:extLst>
+          </p:cNvPr>
+          <p:cNvSpPr>
+            <a:spLocks noGrp="1"/>
+          </p:cNvSpPr>
+          <p:nvPr>
+            <p:ph type="pic" sz="quarter" idx="13"/>
+          </p:nvPr>
+        </p:nvSpPr>
+        <p:spPr>
+          <a:xfrm>
+            <a:off x="313592" y="4536078"/>
+            <a:ext cx="2126273" cy="529698"/>
+          </a:xfrm>
+          <a:prstGeom prst="rect">
+            <a:avLst/>
+          </a:prstGeom>
+        </p:spPr>
+        <p:txBody>
+          <a:bodyPr/>
+          <a:lstStyle/>
+          <a:p>
+            <a:endParaRPr lang="en-US" dirty="0"/>
+          </a:p>
+        </p:txBody>
+      </p:sp>
+      <p:sp>
+        <p:nvSpPr>
           <p:cNvPr id="3" name="Shape 1">
             <a:extLst>
               <a:ext uri="{FF2B5EF4-FFF2-40B4-BE49-F238E27FC236}">
@@ -1783,39 +1816,6 @@
           </a:p>
           <a:p>
             <a:pPr lvl="0"/>
-            <a:endParaRPr lang="en-US" dirty="0"/>
-          </a:p>
-        </p:txBody>
-      </p:sp>
-      <p:sp>
-        <p:nvSpPr>
-          <p:cNvPr id="12" name="Picture Placeholder 13">
-            <a:extLst>
-              <a:ext uri="{FF2B5EF4-FFF2-40B4-BE49-F238E27FC236}">
-                <a16:creationId xmlns:a16="http://schemas.microsoft.com/office/drawing/2014/main" id="{2DB97592-C4D5-B315-7F11-AA14F6EE8A62}"/>
-              </a:ext>
-            </a:extLst>
-          </p:cNvPr>
-          <p:cNvSpPr>
-            <a:spLocks noGrp="1"/>
-          </p:cNvSpPr>
-          <p:nvPr>
-            <p:ph type="pic" sz="quarter" idx="13"/>
-          </p:nvPr>
-        </p:nvSpPr>
-        <p:spPr>
-          <a:xfrm>
-            <a:off x="313592" y="4536078"/>
-            <a:ext cx="2126273" cy="529698"/>
-          </a:xfrm>
-          <a:prstGeom prst="rect">
-            <a:avLst/>
-          </a:prstGeom>
-        </p:spPr>
-        <p:txBody>
-          <a:bodyPr/>
-          <a:lstStyle/>
-          <a:p>
             <a:endParaRPr lang="en-US" dirty="0"/>
           </a:p>
         </p:txBody>
@@ -1927,6 +1927,39 @@
       </p:grpSpPr>
       <p:sp>
         <p:nvSpPr>
+          <p:cNvPr id="10" name="Picture Placeholder 13">
+            <a:extLst>
+              <a:ext uri="{FF2B5EF4-FFF2-40B4-BE49-F238E27FC236}">
+                <a16:creationId xmlns:a16="http://schemas.microsoft.com/office/drawing/2014/main" id="{6A0FA445-7602-F06E-EC73-5504EBF827CC}"/>
+              </a:ext>
+            </a:extLst>
+          </p:cNvPr>
+          <p:cNvSpPr>
+            <a:spLocks noGrp="1"/>
+          </p:cNvSpPr>
+          <p:nvPr>
+            <p:ph type="pic" sz="quarter" idx="14"/>
+          </p:nvPr>
+        </p:nvSpPr>
+        <p:spPr>
+          <a:xfrm>
+            <a:off x="313592" y="4536078"/>
+            <a:ext cx="2130670" cy="529698"/>
+          </a:xfrm>
+          <a:prstGeom prst="rect">
+            <a:avLst/>
+          </a:prstGeom>
+        </p:spPr>
+        <p:txBody>
+          <a:bodyPr/>
+          <a:lstStyle/>
+          <a:p>
+            <a:endParaRPr lang="en-US" dirty="0"/>
+          </a:p>
+        </p:txBody>
+      </p:sp>
+      <p:sp>
+        <p:nvSpPr>
           <p:cNvPr id="3" name="Shape 1">
             <a:extLst>
               <a:ext uri="{FF2B5EF4-FFF2-40B4-BE49-F238E27FC236}">
@@ -2016,39 +2049,6 @@
               <a:rPr lang="en-US" dirty="0"/>
               <a:t>Visual Content</a:t>
             </a:r>
-          </a:p>
-        </p:txBody>
-      </p:sp>
-      <p:sp>
-        <p:nvSpPr>
-          <p:cNvPr id="10" name="Picture Placeholder 13">
-            <a:extLst>
-              <a:ext uri="{FF2B5EF4-FFF2-40B4-BE49-F238E27FC236}">
-                <a16:creationId xmlns:a16="http://schemas.microsoft.com/office/drawing/2014/main" id="{6A0FA445-7602-F06E-EC73-5504EBF827CC}"/>
-              </a:ext>
-            </a:extLst>
-          </p:cNvPr>
-          <p:cNvSpPr>
-            <a:spLocks noGrp="1"/>
-          </p:cNvSpPr>
-          <p:nvPr>
-            <p:ph type="pic" sz="quarter" idx="14"/>
-          </p:nvPr>
-        </p:nvSpPr>
-        <p:spPr>
-          <a:xfrm>
-            <a:off x="313592" y="4536078"/>
-            <a:ext cx="2130670" cy="529698"/>
-          </a:xfrm>
-          <a:prstGeom prst="rect">
-            <a:avLst/>
-          </a:prstGeom>
-        </p:spPr>
-        <p:txBody>
-          <a:bodyPr/>
-          <a:lstStyle/>
-          <a:p>
-            <a:endParaRPr lang="en-US" dirty="0"/>
           </a:p>
         </p:txBody>
       </p:sp>
@@ -2244,6 +2244,39 @@
       </p:grpSpPr>
       <p:sp>
         <p:nvSpPr>
+          <p:cNvPr id="10" name="Picture Placeholder 13">
+            <a:extLst>
+              <a:ext uri="{FF2B5EF4-FFF2-40B4-BE49-F238E27FC236}">
+                <a16:creationId xmlns:a16="http://schemas.microsoft.com/office/drawing/2014/main" id="{6A0FA445-7602-F06E-EC73-5504EBF827CC}"/>
+              </a:ext>
+            </a:extLst>
+          </p:cNvPr>
+          <p:cNvSpPr>
+            <a:spLocks noGrp="1"/>
+          </p:cNvSpPr>
+          <p:nvPr>
+            <p:ph type="pic" sz="quarter" idx="14"/>
+          </p:nvPr>
+        </p:nvSpPr>
+        <p:spPr>
+          <a:xfrm>
+            <a:off x="313592" y="4536078"/>
+            <a:ext cx="2104294" cy="529698"/>
+          </a:xfrm>
+          <a:prstGeom prst="rect">
+            <a:avLst/>
+          </a:prstGeom>
+        </p:spPr>
+        <p:txBody>
+          <a:bodyPr/>
+          <a:lstStyle/>
+          <a:p>
+            <a:endParaRPr lang="en-US" dirty="0"/>
+          </a:p>
+        </p:txBody>
+      </p:sp>
+      <p:sp>
+        <p:nvSpPr>
           <p:cNvPr id="3" name="Shape 1">
             <a:extLst>
               <a:ext uri="{FF2B5EF4-FFF2-40B4-BE49-F238E27FC236}">
@@ -2333,39 +2366,6 @@
               <a:rPr lang="en-US" dirty="0"/>
               <a:t>Data Visualization</a:t>
             </a:r>
-          </a:p>
-        </p:txBody>
-      </p:sp>
-      <p:sp>
-        <p:nvSpPr>
-          <p:cNvPr id="10" name="Picture Placeholder 13">
-            <a:extLst>
-              <a:ext uri="{FF2B5EF4-FFF2-40B4-BE49-F238E27FC236}">
-                <a16:creationId xmlns:a16="http://schemas.microsoft.com/office/drawing/2014/main" id="{6A0FA445-7602-F06E-EC73-5504EBF827CC}"/>
-              </a:ext>
-            </a:extLst>
-          </p:cNvPr>
-          <p:cNvSpPr>
-            <a:spLocks noGrp="1"/>
-          </p:cNvSpPr>
-          <p:nvPr>
-            <p:ph type="pic" sz="quarter" idx="14"/>
-          </p:nvPr>
-        </p:nvSpPr>
-        <p:spPr>
-          <a:xfrm>
-            <a:off x="313592" y="4536078"/>
-            <a:ext cx="2104294" cy="529698"/>
-          </a:xfrm>
-          <a:prstGeom prst="rect">
-            <a:avLst/>
-          </a:prstGeom>
-        </p:spPr>
-        <p:txBody>
-          <a:bodyPr/>
-          <a:lstStyle/>
-          <a:p>
-            <a:endParaRPr lang="en-US" dirty="0"/>
           </a:p>
         </p:txBody>
       </p:sp>
@@ -3487,7 +3487,7 @@
       <p:grpSpPr/>
       <p:sp>
         <p:nvSpPr>
-          <p:cNvPr id="2" name="Text Placeholder 1"/>
+          <p:cNvPr id="3" name="Text Placeholder 2"/>
           <p:cNvSpPr>
             <a:spLocks noGrp="1"/>
           </p:cNvSpPr>
@@ -3791,7 +3791,7 @@
       <p:grpSpPr/>
       <p:sp>
         <p:nvSpPr>
-          <p:cNvPr id="2" name="Text Placeholder 1"/>
+          <p:cNvPr id="3" name="Text Placeholder 2"/>
           <p:cNvSpPr>
             <a:spLocks noGrp="1"/>
           </p:cNvSpPr>
@@ -3966,7 +3966,7 @@
       <p:grpSpPr/>
       <p:sp>
         <p:nvSpPr>
-          <p:cNvPr id="2" name="Text Placeholder 1"/>
+          <p:cNvPr id="3" name="Text Placeholder 2"/>
           <p:cNvSpPr>
             <a:spLocks noGrp="1"/>
           </p:cNvSpPr>
@@ -4844,7 +4844,7 @@
       <p:grpSpPr/>
       <p:sp>
         <p:nvSpPr>
-          <p:cNvPr id="2" name="Text Placeholder 1"/>
+          <p:cNvPr id="3" name="Text Placeholder 2"/>
           <p:cNvSpPr>
             <a:spLocks noGrp="1"/>
           </p:cNvSpPr>
@@ -4888,7 +4888,7 @@
           <a:p>
             <a:pPr lvl="1"/>
             <a:r>
-              <a:t>Terraform Cloud for infrastructure as code with workspaces state management and policy enforcement</a:t>
+              <a:t>Terraform Cloud for infrastructure as code with workspaces and policy enforcement</a:t>
             </a:r>
           </a:p>
           <a:p>
@@ -5033,7 +5033,7 @@
       <p:grpSpPr/>
       <p:sp>
         <p:nvSpPr>
-          <p:cNvPr id="2" name="Text Placeholder 1"/>
+          <p:cNvPr id="3" name="Text Placeholder 2"/>
           <p:cNvSpPr>
             <a:spLocks noGrp="1"/>
           </p:cNvSpPr>
@@ -5217,7 +5217,7 @@
       <p:grpSpPr/>
       <p:sp>
         <p:nvSpPr>
-          <p:cNvPr id="2" name="Text Placeholder 1"/>
+          <p:cNvPr id="3" name="Text Placeholder 2"/>
           <p:cNvSpPr>
             <a:spLocks noGrp="1"/>
           </p:cNvSpPr>
@@ -5636,7 +5636,7 @@
       <p:grpSpPr/>
       <p:sp>
         <p:nvSpPr>
-          <p:cNvPr id="2" name="Text Placeholder 1"/>
+          <p:cNvPr id="3" name="Text Placeholder 2"/>
           <p:cNvSpPr>
             <a:spLocks noGrp="1"/>
           </p:cNvSpPr>
@@ -5809,7 +5809,7 @@
       <p:grpSpPr/>
       <p:sp>
         <p:nvSpPr>
-          <p:cNvPr id="2" name="Text Placeholder 1"/>
+          <p:cNvPr id="3" name="Text Placeholder 2"/>
           <p:cNvSpPr>
             <a:spLocks noGrp="1"/>
           </p:cNvSpPr>
@@ -5996,7 +5996,7 @@
       <p:grpSpPr/>
       <p:sp>
         <p:nvSpPr>
-          <p:cNvPr id="2" name="Text Placeholder 1"/>
+          <p:cNvPr id="3" name="Text Placeholder 2"/>
           <p:cNvSpPr>
             <a:spLocks noGrp="1"/>
           </p:cNvSpPr>

--- a/solutions/hashicorp/cloud/multi-cloud-platform/presales/solution-briefing.pptx
+++ b/solutions/hashicorp/cloud/multi-cloud-platform/presales/solution-briefing.pptx
@@ -3390,7 +3390,7 @@
           <a:lstStyle/>
           <a:p>
             <a:r>
-              <a:t>['Presenter Name'] | November 22, 2025</a:t>
+              <a:t>['Presenter Name'] | November 24, 2025</a:t>
             </a:r>
           </a:p>
         </p:txBody>
@@ -6028,7 +6028,7 @@
         </p:nvGraphicFramePr>
         <p:xfrm>
           <a:off x="256855" y="677011"/>
-          <a:ext cx="8710930" cy="2595880"/>
+          <a:ext cx="8710930" cy="2225040"/>
         </p:xfrm>
         <a:graphic>
           <a:graphicData uri="http://schemas.openxmlformats.org/drawingml/2006/table">
@@ -6219,7 +6219,7 @@
                     <a:p>
                       <a:r>
                         <a:rPr sz="1100"/>
-                        <a:t>$165,000</a:t>
+                        <a:t>$0</a:t>
                       </a:r>
                     </a:p>
                   </a:txBody>
@@ -6253,7 +6253,7 @@
                     <a:p>
                       <a:r>
                         <a:rPr sz="1100"/>
-                        <a:t>$165,000</a:t>
+                        <a:t>$0</a:t>
                       </a:r>
                     </a:p>
                   </a:txBody>
@@ -6304,7 +6304,7 @@
                     <a:p>
                       <a:r>
                         <a:rPr sz="1100"/>
-                        <a:t>$165,000</a:t>
+                        <a:t>$0</a:t>
                       </a:r>
                     </a:p>
                   </a:txBody>
@@ -6323,7 +6323,7 @@
                     <a:p>
                       <a:r>
                         <a:rPr sz="1100"/>
-                        <a:t>Cloud Infrastructure</a:t>
+                        <a:t>Cloud Services</a:t>
                       </a:r>
                     </a:p>
                   </a:txBody>
@@ -6444,7 +6444,7 @@
                     <a:p>
                       <a:r>
                         <a:rPr sz="1100"/>
-                        <a:t>HashiCorp Licenses</a:t>
+                        <a:t>Software Licenses</a:t>
                       </a:r>
                     </a:p>
                   </a:txBody>
@@ -6461,7 +6461,7 @@
                     <a:p>
                       <a:r>
                         <a:rPr sz="1100"/>
-                        <a:t>$71,250</a:t>
+                        <a:t>$18,360</a:t>
                       </a:r>
                     </a:p>
                   </a:txBody>
@@ -6478,7 +6478,7 @@
                     <a:p>
                       <a:r>
                         <a:rPr sz="1100"/>
-                        <a:t>($15,000)</a:t>
+                        <a:t>$0</a:t>
                       </a:r>
                     </a:p>
                   </a:txBody>
@@ -6495,7 +6495,7 @@
                     <a:p>
                       <a:r>
                         <a:rPr sz="1100"/>
-                        <a:t>$56,250</a:t>
+                        <a:t>$18,360</a:t>
                       </a:r>
                     </a:p>
                   </a:txBody>
@@ -6512,7 +6512,7 @@
                     <a:p>
                       <a:r>
                         <a:rPr sz="1100"/>
-                        <a:t>$71,250</a:t>
+                        <a:t>$18,360</a:t>
                       </a:r>
                     </a:p>
                   </a:txBody>
@@ -6529,7 +6529,7 @@
                     <a:p>
                       <a:r>
                         <a:rPr sz="1100"/>
-                        <a:t>$71,250</a:t>
+                        <a:t>$18,360</a:t>
                       </a:r>
                     </a:p>
                   </a:txBody>
@@ -6546,7 +6546,7 @@
                     <a:p>
                       <a:r>
                         <a:rPr sz="1100"/>
-                        <a:t>$198,750</a:t>
+                        <a:t>$55,080</a:t>
                       </a:r>
                     </a:p>
                   </a:txBody>
@@ -6565,7 +6565,7 @@
                     <a:p>
                       <a:r>
                         <a:rPr sz="1100"/>
-                        <a:t>Software Licenses</a:t>
+                        <a:t>Support &amp; Maintenance</a:t>
                       </a:r>
                     </a:p>
                   </a:txBody>
@@ -6582,7 +6582,7 @@
                     <a:p>
                       <a:r>
                         <a:rPr sz="1100"/>
-                        <a:t>$18,360</a:t>
+                        <a:t>$84,900</a:t>
                       </a:r>
                     </a:p>
                   </a:txBody>
@@ -6616,7 +6616,7 @@
                     <a:p>
                       <a:r>
                         <a:rPr sz="1100"/>
-                        <a:t>$18,360</a:t>
+                        <a:t>$84,900</a:t>
                       </a:r>
                     </a:p>
                   </a:txBody>
@@ -6633,7 +6633,7 @@
                     <a:p>
                       <a:r>
                         <a:rPr sz="1100"/>
-                        <a:t>$18,360</a:t>
+                        <a:t>$84,900</a:t>
                       </a:r>
                     </a:p>
                   </a:txBody>
@@ -6650,7 +6650,7 @@
                     <a:p>
                       <a:r>
                         <a:rPr sz="1100"/>
-                        <a:t>$18,360</a:t>
+                        <a:t>$84,900</a:t>
                       </a:r>
                     </a:p>
                   </a:txBody>
@@ -6667,7 +6667,7 @@
                     <a:p>
                       <a:r>
                         <a:rPr sz="1100"/>
-                        <a:t>$55,080</a:t>
+                        <a:t>$254,700</a:t>
                       </a:r>
                     </a:p>
                   </a:txBody>
@@ -6685,127 +6685,6 @@
                     <a:lstStyle/>
                     <a:p>
                       <a:r>
-                        <a:rPr sz="1100"/>
-                        <a:t>Support &amp; Maintenance</a:t>
-                      </a:r>
-                    </a:p>
-                  </a:txBody>
-                  <a:tcPr>
-                    <a:solidFill>
-                      <a:srgbClr val="E7E6E6"/>
-                    </a:solidFill>
-                  </a:tcPr>
-                </a:tc>
-                <a:tc>
-                  <a:txBody>
-                    <a:bodyPr/>
-                    <a:lstStyle/>
-                    <a:p>
-                      <a:r>
-                        <a:rPr sz="1100"/>
-                        <a:t>$84,900</a:t>
-                      </a:r>
-                    </a:p>
-                  </a:txBody>
-                  <a:tcPr>
-                    <a:solidFill>
-                      <a:srgbClr val="E7E6E6"/>
-                    </a:solidFill>
-                  </a:tcPr>
-                </a:tc>
-                <a:tc>
-                  <a:txBody>
-                    <a:bodyPr/>
-                    <a:lstStyle/>
-                    <a:p>
-                      <a:r>
-                        <a:rPr sz="1100"/>
-                        <a:t>$0</a:t>
-                      </a:r>
-                    </a:p>
-                  </a:txBody>
-                  <a:tcPr>
-                    <a:solidFill>
-                      <a:srgbClr val="E7E6E6"/>
-                    </a:solidFill>
-                  </a:tcPr>
-                </a:tc>
-                <a:tc>
-                  <a:txBody>
-                    <a:bodyPr/>
-                    <a:lstStyle/>
-                    <a:p>
-                      <a:r>
-                        <a:rPr sz="1100"/>
-                        <a:t>$84,900</a:t>
-                      </a:r>
-                    </a:p>
-                  </a:txBody>
-                  <a:tcPr>
-                    <a:solidFill>
-                      <a:srgbClr val="E7E6E6"/>
-                    </a:solidFill>
-                  </a:tcPr>
-                </a:tc>
-                <a:tc>
-                  <a:txBody>
-                    <a:bodyPr/>
-                    <a:lstStyle/>
-                    <a:p>
-                      <a:r>
-                        <a:rPr sz="1100"/>
-                        <a:t>$84,900</a:t>
-                      </a:r>
-                    </a:p>
-                  </a:txBody>
-                  <a:tcPr>
-                    <a:solidFill>
-                      <a:srgbClr val="E7E6E6"/>
-                    </a:solidFill>
-                  </a:tcPr>
-                </a:tc>
-                <a:tc>
-                  <a:txBody>
-                    <a:bodyPr/>
-                    <a:lstStyle/>
-                    <a:p>
-                      <a:r>
-                        <a:rPr sz="1100"/>
-                        <a:t>$84,900</a:t>
-                      </a:r>
-                    </a:p>
-                  </a:txBody>
-                  <a:tcPr>
-                    <a:solidFill>
-                      <a:srgbClr val="E7E6E6"/>
-                    </a:solidFill>
-                  </a:tcPr>
-                </a:tc>
-                <a:tc>
-                  <a:txBody>
-                    <a:bodyPr/>
-                    <a:lstStyle/>
-                    <a:p>
-                      <a:r>
-                        <a:rPr sz="1100"/>
-                        <a:t>$254,700</a:t>
-                      </a:r>
-                    </a:p>
-                  </a:txBody>
-                  <a:tcPr>
-                    <a:solidFill>
-                      <a:srgbClr val="E7E6E6"/>
-                    </a:solidFill>
-                  </a:tcPr>
-                </a:tc>
-              </a:tr>
-              <a:tr h="370840">
-                <a:tc>
-                  <a:txBody>
-                    <a:bodyPr/>
-                    <a:lstStyle/>
-                    <a:p>
-                      <a:r>
                         <a:rPr b="1" sz="1100"/>
                         <a:t>TOTAL</a:t>
                       </a:r>
@@ -6824,7 +6703,7 @@
                     <a:p>
                       <a:r>
                         <a:rPr b="1" sz="1100"/>
-                        <a:t>$387,428</a:t>
+                        <a:t>$151,178</a:t>
                       </a:r>
                     </a:p>
                   </a:txBody>
@@ -6841,7 +6720,7 @@
                     <a:p>
                       <a:r>
                         <a:rPr b="1" sz="1100"/>
-                        <a:t>($27,700)</a:t>
+                        <a:t>($12,700)</a:t>
                       </a:r>
                     </a:p>
                   </a:txBody>
@@ -6858,7 +6737,7 @@
                     <a:p>
                       <a:r>
                         <a:rPr b="1" sz="1100"/>
-                        <a:t>$359,728</a:t>
+                        <a:t>$138,478</a:t>
                       </a:r>
                     </a:p>
                   </a:txBody>
@@ -6875,7 +6754,7 @@
                     <a:p>
                       <a:r>
                         <a:rPr b="1" sz="1100"/>
-                        <a:t>$222,428</a:t>
+                        <a:t>$151,178</a:t>
                       </a:r>
                     </a:p>
                   </a:txBody>
@@ -6892,7 +6771,7 @@
                     <a:p>
                       <a:r>
                         <a:rPr b="1" sz="1100"/>
-                        <a:t>$222,428</a:t>
+                        <a:t>$151,178</a:t>
                       </a:r>
                     </a:p>
                   </a:txBody>
@@ -6909,7 +6788,7 @@
                     <a:p>
                       <a:r>
                         <a:rPr b="1" sz="1100"/>
-                        <a:t>$804,584</a:t>
+                        <a:t>$440,834</a:t>
                       </a:r>
                     </a:p>
                   </a:txBody>
